--- a/מסעדה בקורונה.pptx
+++ b/מסעדה בקורונה.pptx
@@ -104,6 +104,11 @@
       </a:defRPr>
     </a:lvl9pPr>
   </p:defaultTextStyle>
+  <p:extLst>
+    <p:ext uri="{EFAFB233-063F-42B5-8137-9DF3F51BA10A}">
+      <p15:sldGuideLst xmlns:p15="http://schemas.microsoft.com/office/powerpoint/2012/main"/>
+    </p:ext>
+  </p:extLst>
 </p:presentation>
 </file>
 
@@ -2972,8 +2977,8 @@
         </p:nvSpPr>
         <p:spPr>
           <a:xfrm>
-            <a:off x="5028240" y="2967335"/>
-            <a:ext cx="2135521" cy="923330"/>
+            <a:off x="5669312" y="363835"/>
+            <a:ext cx="3342582" cy="923330"/>
           </a:xfrm>
           <a:prstGeom prst="rect">
             <a:avLst/>
@@ -2998,7 +3003,7 @@
                   </a:outerShdw>
                 </a:effectLst>
               </a:rPr>
-              <a:t>מסעדה</a:t>
+              <a:t>מה הבעיה?</a:t>
             </a:r>
             <a:endParaRPr lang="he-IL" sz="5400" b="0" cap="none" spc="0" dirty="0">
               <a:ln w="0"/>
@@ -3013,6 +3018,45 @@
                 </a:outerShdw>
               </a:effectLst>
             </a:endParaRPr>
+          </a:p>
+        </p:txBody>
+      </p:sp>
+      <p:sp>
+        <p:nvSpPr>
+          <p:cNvPr id="2" name="TextBox 1"/>
+          <p:cNvSpPr txBox="1"/>
+          <p:nvPr/>
+        </p:nvSpPr>
+        <p:spPr>
+          <a:xfrm>
+            <a:off x="4165600" y="2336800"/>
+            <a:ext cx="6108700" cy="1938992"/>
+          </a:xfrm>
+          <a:prstGeom prst="rect">
+            <a:avLst/>
+          </a:prstGeom>
+          <a:noFill/>
+        </p:spPr>
+        <p:txBody>
+          <a:bodyPr wrap="square" rtlCol="1">
+            <a:spAutoFit/>
+          </a:bodyPr>
+          <a:lstStyle/>
+          <a:p>
+            <a:r>
+              <a:rPr lang="he-IL" sz="2400" dirty="0" smtClean="0"/>
+              <a:t>תקופת הביאה אותנו לסיטואציה שבה יש סכנה ממשית לצאת ולהיחשף לאנשים.</a:t>
+            </a:r>
+          </a:p>
+          <a:p>
+            <a:endParaRPr lang="he-IL" sz="2400" dirty="0"/>
+          </a:p>
+          <a:p>
+            <a:r>
+              <a:rPr lang="he-IL" sz="2400" dirty="0" smtClean="0"/>
+              <a:t>ענף המסעדנות ספג מכה כלכלית קשה בשל אופציות החשיפה הרבות.</a:t>
+            </a:r>
+            <a:endParaRPr lang="he-IL" sz="2400" dirty="0"/>
           </a:p>
         </p:txBody>
       </p:sp>

--- a/מסעדה בקורונה.pptx
+++ b/מסעדה בקורונה.pptx
@@ -6,6 +6,8 @@
   </p:sldMasterIdLst>
   <p:sldIdLst>
     <p:sldId id="256" r:id="rId2"/>
+    <p:sldId id="257" r:id="rId3"/>
+    <p:sldId id="258" r:id="rId4"/>
   </p:sldIdLst>
   <p:sldSz cx="12192000" cy="6858000"/>
   <p:notesSz cx="6858000" cy="9144000"/>
@@ -2977,7 +2979,7 @@
         </p:nvSpPr>
         <p:spPr>
           <a:xfrm>
-            <a:off x="5669312" y="363835"/>
+            <a:off x="6564659" y="427335"/>
             <a:ext cx="3342582" cy="923330"/>
           </a:xfrm>
           <a:prstGeom prst="rect">
@@ -3029,8 +3031,8 @@
         </p:nvSpPr>
         <p:spPr>
           <a:xfrm>
-            <a:off x="4165600" y="2336800"/>
-            <a:ext cx="6108700" cy="1938992"/>
+            <a:off x="5432425" y="1837132"/>
+            <a:ext cx="5607050" cy="1938992"/>
           </a:xfrm>
           <a:prstGeom prst="rect">
             <a:avLst/>
@@ -3043,15 +3045,24 @@
           </a:bodyPr>
           <a:lstStyle/>
           <a:p>
+            <a:pPr marL="342900" indent="-342900" algn="ctr">
+              <a:buFont typeface="Arial" panose="020B0604020202020204" pitchFamily="34" charset="0"/>
+              <a:buChar char="•"/>
+            </a:pPr>
             <a:r>
               <a:rPr lang="he-IL" sz="2400" dirty="0" smtClean="0"/>
               <a:t>תקופת הביאה אותנו לסיטואציה שבה יש סכנה ממשית לצאת ולהיחשף לאנשים.</a:t>
             </a:r>
           </a:p>
           <a:p>
+            <a:pPr algn="ctr"/>
             <a:endParaRPr lang="he-IL" sz="2400" dirty="0"/>
           </a:p>
           <a:p>
+            <a:pPr marL="342900" indent="-342900" algn="ctr">
+              <a:buFont typeface="Arial" panose="020B0604020202020204" pitchFamily="34" charset="0"/>
+              <a:buChar char="•"/>
+            </a:pPr>
             <a:r>
               <a:rPr lang="he-IL" sz="2400" dirty="0" smtClean="0"/>
               <a:t>ענף המסעדנות ספג מכה כלכלית קשה בשל אופציות החשיפה הרבות.</a:t>
@@ -3060,10 +3071,196 @@
           </a:p>
         </p:txBody>
       </p:sp>
+      <p:pic>
+        <p:nvPicPr>
+          <p:cNvPr id="3" name="תמונה 2"/>
+          <p:cNvPicPr>
+            <a:picLocks noChangeAspect="1"/>
+          </p:cNvPicPr>
+          <p:nvPr/>
+        </p:nvPicPr>
+        <p:blipFill>
+          <a:blip r:embed="rId2"/>
+          <a:stretch>
+            <a:fillRect/>
+          </a:stretch>
+        </p:blipFill>
+        <p:spPr>
+          <a:xfrm>
+            <a:off x="152400" y="3598324"/>
+            <a:ext cx="4641850" cy="3092988"/>
+          </a:xfrm>
+          <a:prstGeom prst="rect">
+            <a:avLst/>
+          </a:prstGeom>
+        </p:spPr>
+      </p:pic>
     </p:spTree>
     <p:extLst>
       <p:ext uri="{BB962C8B-B14F-4D97-AF65-F5344CB8AC3E}">
         <p14:creationId xmlns:p14="http://schemas.microsoft.com/office/powerpoint/2010/main" val="3389124236"/>
+      </p:ext>
+    </p:extLst>
+  </p:cSld>
+  <p:clrMapOvr>
+    <a:masterClrMapping/>
+  </p:clrMapOvr>
+</p:sld>
+</file>
+
+<file path=ppt/slides/slide2.xml><?xml version="1.0" encoding="utf-8"?>
+<p:sld xmlns:a="http://schemas.openxmlformats.org/drawingml/2006/main" xmlns:r="http://schemas.openxmlformats.org/officeDocument/2006/relationships" xmlns:p="http://schemas.openxmlformats.org/presentationml/2006/main">
+  <p:cSld>
+    <p:spTree>
+      <p:nvGrpSpPr>
+        <p:cNvPr id="1" name=""/>
+        <p:cNvGrpSpPr/>
+        <p:nvPr/>
+      </p:nvGrpSpPr>
+      <p:grpSpPr>
+        <a:xfrm>
+          <a:off x="0" y="0"/>
+          <a:ext cx="0" cy="0"/>
+          <a:chOff x="0" y="0"/>
+          <a:chExt cx="0" cy="0"/>
+        </a:xfrm>
+      </p:grpSpPr>
+      <p:sp>
+        <p:nvSpPr>
+          <p:cNvPr id="4" name="TextBox 3"/>
+          <p:cNvSpPr txBox="1"/>
+          <p:nvPr/>
+        </p:nvSpPr>
+        <p:spPr>
+          <a:xfrm>
+            <a:off x="2832100" y="348734"/>
+            <a:ext cx="6540500" cy="769441"/>
+          </a:xfrm>
+          <a:prstGeom prst="rect">
+            <a:avLst/>
+          </a:prstGeom>
+          <a:noFill/>
+        </p:spPr>
+        <p:txBody>
+          <a:bodyPr wrap="square" rtlCol="1">
+            <a:spAutoFit/>
+          </a:bodyPr>
+          <a:lstStyle/>
+          <a:p>
+            <a:pPr algn="ctr"/>
+            <a:r>
+              <a:rPr lang="en-US" sz="4400" b="1" dirty="0" err="1" smtClean="0"/>
+              <a:t>IOrder</a:t>
+            </a:r>
+            <a:endParaRPr lang="he-IL" sz="4400" b="1" dirty="0"/>
+          </a:p>
+        </p:txBody>
+      </p:sp>
+      <p:sp>
+        <p:nvSpPr>
+          <p:cNvPr id="5" name="TextBox 4"/>
+          <p:cNvSpPr txBox="1"/>
+          <p:nvPr/>
+        </p:nvSpPr>
+        <p:spPr>
+          <a:xfrm>
+            <a:off x="4140200" y="1613475"/>
+            <a:ext cx="7429500" cy="646331"/>
+          </a:xfrm>
+          <a:prstGeom prst="rect">
+            <a:avLst/>
+          </a:prstGeom>
+          <a:noFill/>
+        </p:spPr>
+        <p:txBody>
+          <a:bodyPr wrap="square" rtlCol="1">
+            <a:spAutoFit/>
+          </a:bodyPr>
+          <a:lstStyle/>
+          <a:p>
+            <a:pPr marL="285750" indent="-285750">
+              <a:buFont typeface="Arial" panose="020B0604020202020204" pitchFamily="34" charset="0"/>
+              <a:buChar char="•"/>
+            </a:pPr>
+            <a:r>
+              <a:rPr lang="he-IL" dirty="0" smtClean="0"/>
+              <a:t>הפתרון הינו אפליקציה נותנת ללקוח אפשרות להזמין מקום ולקבל שירות מהמסעדה באמצעות מגע מינימלי בין המלצר ללקוח.</a:t>
+            </a:r>
+          </a:p>
+        </p:txBody>
+      </p:sp>
+    </p:spTree>
+    <p:extLst>
+      <p:ext uri="{BB962C8B-B14F-4D97-AF65-F5344CB8AC3E}">
+        <p14:creationId xmlns:p14="http://schemas.microsoft.com/office/powerpoint/2010/main" val="1638375079"/>
+      </p:ext>
+    </p:extLst>
+  </p:cSld>
+  <p:clrMapOvr>
+    <a:masterClrMapping/>
+  </p:clrMapOvr>
+</p:sld>
+</file>
+
+<file path=ppt/slides/slide3.xml><?xml version="1.0" encoding="utf-8"?>
+<p:sld xmlns:a="http://schemas.openxmlformats.org/drawingml/2006/main" xmlns:r="http://schemas.openxmlformats.org/officeDocument/2006/relationships" xmlns:p="http://schemas.openxmlformats.org/presentationml/2006/main">
+  <p:cSld>
+    <p:spTree>
+      <p:nvGrpSpPr>
+        <p:cNvPr id="1" name=""/>
+        <p:cNvGrpSpPr/>
+        <p:nvPr/>
+      </p:nvGrpSpPr>
+      <p:grpSpPr>
+        <a:xfrm>
+          <a:off x="0" y="0"/>
+          <a:ext cx="0" cy="0"/>
+          <a:chOff x="0" y="0"/>
+          <a:chExt cx="0" cy="0"/>
+        </a:xfrm>
+      </p:grpSpPr>
+      <p:sp>
+        <p:nvSpPr>
+          <p:cNvPr id="2" name="כותרת 1"/>
+          <p:cNvSpPr>
+            <a:spLocks noGrp="1"/>
+          </p:cNvSpPr>
+          <p:nvPr>
+            <p:ph type="title"/>
+          </p:nvPr>
+        </p:nvSpPr>
+        <p:spPr/>
+        <p:txBody>
+          <a:bodyPr/>
+          <a:lstStyle/>
+          <a:p>
+            <a:endParaRPr lang="he-IL"/>
+          </a:p>
+        </p:txBody>
+      </p:sp>
+      <p:sp>
+        <p:nvSpPr>
+          <p:cNvPr id="3" name="מציין מיקום תוכן 2"/>
+          <p:cNvSpPr>
+            <a:spLocks noGrp="1"/>
+          </p:cNvSpPr>
+          <p:nvPr>
+            <p:ph idx="1"/>
+          </p:nvPr>
+        </p:nvSpPr>
+        <p:spPr/>
+        <p:txBody>
+          <a:bodyPr/>
+          <a:lstStyle/>
+          <a:p>
+            <a:endParaRPr lang="he-IL"/>
+          </a:p>
+        </p:txBody>
+      </p:sp>
+    </p:spTree>
+    <p:extLst>
+      <p:ext uri="{BB962C8B-B14F-4D97-AF65-F5344CB8AC3E}">
+        <p14:creationId xmlns:p14="http://schemas.microsoft.com/office/powerpoint/2010/main" val="3812797908"/>
       </p:ext>
     </p:extLst>
   </p:cSld>

--- a/מסעדה בקורונה.pptx
+++ b/מסעדה בקורונה.pptx
@@ -5,9 +5,10 @@
     <p:sldMasterId id="2147483648" r:id="rId1"/>
   </p:sldMasterIdLst>
   <p:sldIdLst>
-    <p:sldId id="256" r:id="rId2"/>
-    <p:sldId id="257" r:id="rId3"/>
-    <p:sldId id="258" r:id="rId4"/>
+    <p:sldId id="259" r:id="rId2"/>
+    <p:sldId id="256" r:id="rId3"/>
+    <p:sldId id="260" r:id="rId4"/>
+    <p:sldId id="257" r:id="rId5"/>
   </p:sldIdLst>
   <p:sldSz cx="12192000" cy="6858000"/>
   <p:notesSz cx="6858000" cy="9144000"/>
@@ -245,7 +246,7 @@
           <a:p>
             <a:fld id="{17C7AF2C-C19C-4611-99EA-66DBB5E647D4}" type="datetimeFigureOut">
               <a:rPr lang="he-IL" smtClean="0"/>
-              <a:t>ג'/אלול/תש"פ</a:t>
+              <a:t>ד'/אלול/תש"פ</a:t>
             </a:fld>
             <a:endParaRPr lang="he-IL"/>
           </a:p>
@@ -415,7 +416,7 @@
           <a:p>
             <a:fld id="{17C7AF2C-C19C-4611-99EA-66DBB5E647D4}" type="datetimeFigureOut">
               <a:rPr lang="he-IL" smtClean="0"/>
-              <a:t>ג'/אלול/תש"פ</a:t>
+              <a:t>ד'/אלול/תש"פ</a:t>
             </a:fld>
             <a:endParaRPr lang="he-IL"/>
           </a:p>
@@ -595,7 +596,7 @@
           <a:p>
             <a:fld id="{17C7AF2C-C19C-4611-99EA-66DBB5E647D4}" type="datetimeFigureOut">
               <a:rPr lang="he-IL" smtClean="0"/>
-              <a:t>ג'/אלול/תש"פ</a:t>
+              <a:t>ד'/אלול/תש"פ</a:t>
             </a:fld>
             <a:endParaRPr lang="he-IL"/>
           </a:p>
@@ -765,7 +766,7 @@
           <a:p>
             <a:fld id="{17C7AF2C-C19C-4611-99EA-66DBB5E647D4}" type="datetimeFigureOut">
               <a:rPr lang="he-IL" smtClean="0"/>
-              <a:t>ג'/אלול/תש"פ</a:t>
+              <a:t>ד'/אלול/תש"פ</a:t>
             </a:fld>
             <a:endParaRPr lang="he-IL"/>
           </a:p>
@@ -1011,7 +1012,7 @@
           <a:p>
             <a:fld id="{17C7AF2C-C19C-4611-99EA-66DBB5E647D4}" type="datetimeFigureOut">
               <a:rPr lang="he-IL" smtClean="0"/>
-              <a:t>ג'/אלול/תש"פ</a:t>
+              <a:t>ד'/אלול/תש"פ</a:t>
             </a:fld>
             <a:endParaRPr lang="he-IL"/>
           </a:p>
@@ -1243,7 +1244,7 @@
           <a:p>
             <a:fld id="{17C7AF2C-C19C-4611-99EA-66DBB5E647D4}" type="datetimeFigureOut">
               <a:rPr lang="he-IL" smtClean="0"/>
-              <a:t>ג'/אלול/תש"פ</a:t>
+              <a:t>ד'/אלול/תש"פ</a:t>
             </a:fld>
             <a:endParaRPr lang="he-IL"/>
           </a:p>
@@ -1610,7 +1611,7 @@
           <a:p>
             <a:fld id="{17C7AF2C-C19C-4611-99EA-66DBB5E647D4}" type="datetimeFigureOut">
               <a:rPr lang="he-IL" smtClean="0"/>
-              <a:t>ג'/אלול/תש"פ</a:t>
+              <a:t>ד'/אלול/תש"פ</a:t>
             </a:fld>
             <a:endParaRPr lang="he-IL"/>
           </a:p>
@@ -1728,7 +1729,7 @@
           <a:p>
             <a:fld id="{17C7AF2C-C19C-4611-99EA-66DBB5E647D4}" type="datetimeFigureOut">
               <a:rPr lang="he-IL" smtClean="0"/>
-              <a:t>ג'/אלול/תש"פ</a:t>
+              <a:t>ד'/אלול/תש"פ</a:t>
             </a:fld>
             <a:endParaRPr lang="he-IL"/>
           </a:p>
@@ -1823,7 +1824,7 @@
           <a:p>
             <a:fld id="{17C7AF2C-C19C-4611-99EA-66DBB5E647D4}" type="datetimeFigureOut">
               <a:rPr lang="he-IL" smtClean="0"/>
-              <a:t>ג'/אלול/תש"פ</a:t>
+              <a:t>ד'/אלול/תש"פ</a:t>
             </a:fld>
             <a:endParaRPr lang="he-IL"/>
           </a:p>
@@ -2100,7 +2101,7 @@
           <a:p>
             <a:fld id="{17C7AF2C-C19C-4611-99EA-66DBB5E647D4}" type="datetimeFigureOut">
               <a:rPr lang="he-IL" smtClean="0"/>
-              <a:t>ג'/אלול/תש"פ</a:t>
+              <a:t>ד'/אלול/תש"פ</a:t>
             </a:fld>
             <a:endParaRPr lang="he-IL"/>
           </a:p>
@@ -2353,7 +2354,7 @@
           <a:p>
             <a:fld id="{17C7AF2C-C19C-4611-99EA-66DBB5E647D4}" type="datetimeFigureOut">
               <a:rPr lang="he-IL" smtClean="0"/>
-              <a:t>ג'/אלול/תש"פ</a:t>
+              <a:t>ד'/אלול/תש"פ</a:t>
             </a:fld>
             <a:endParaRPr lang="he-IL"/>
           </a:p>
@@ -2566,7 +2567,7 @@
           <a:p>
             <a:fld id="{17C7AF2C-C19C-4611-99EA-66DBB5E647D4}" type="datetimeFigureOut">
               <a:rPr lang="he-IL" smtClean="0"/>
-              <a:t>ג'/אלול/תש"פ</a:t>
+              <a:t>ד'/אלול/תש"פ</a:t>
             </a:fld>
             <a:endParaRPr lang="he-IL"/>
           </a:p>
@@ -2971,6 +2972,47 @@
           <a:chExt cx="0" cy="0"/>
         </a:xfrm>
       </p:grpSpPr>
+      <p:pic>
+        <p:nvPicPr>
+          <p:cNvPr id="1026" name="Picture 2" descr="אירוע מופע: אוכל קטן ונשים גדולות | מתנ&quot;ס חבל יבנה"/>
+          <p:cNvPicPr>
+            <a:picLocks noChangeAspect="1" noChangeArrowheads="1"/>
+          </p:cNvPicPr>
+          <p:nvPr/>
+        </p:nvPicPr>
+        <p:blipFill>
+          <a:blip r:embed="rId2">
+            <a:extLst>
+              <a:ext uri="{28A0092B-C50C-407E-A947-70E740481C1C}">
+                <a14:useLocalDpi xmlns:a14="http://schemas.microsoft.com/office/drawing/2010/main" val="0"/>
+              </a:ext>
+            </a:extLst>
+          </a:blip>
+          <a:srcRect/>
+          <a:stretch>
+            <a:fillRect/>
+          </a:stretch>
+        </p:blipFill>
+        <p:spPr bwMode="auto">
+          <a:xfrm>
+            <a:off x="0" y="0"/>
+            <a:ext cx="12192000" cy="6858000"/>
+          </a:xfrm>
+          <a:prstGeom prst="rect">
+            <a:avLst/>
+          </a:prstGeom>
+          <a:noFill/>
+          <a:extLst>
+            <a:ext uri="{909E8E84-426E-40DD-AFC4-6F175D3DCCD1}">
+              <a14:hiddenFill xmlns:a14="http://schemas.microsoft.com/office/drawing/2010/main">
+                <a:solidFill>
+                  <a:srgbClr val="FFFFFF"/>
+                </a:solidFill>
+              </a14:hiddenFill>
+            </a:ext>
+          </a:extLst>
+        </p:spPr>
+      </p:pic>
       <p:sp>
         <p:nvSpPr>
           <p:cNvPr id="4" name="מלבן 3"/>
@@ -2979,8 +3021,8 @@
         </p:nvSpPr>
         <p:spPr>
           <a:xfrm>
-            <a:off x="6564659" y="427335"/>
-            <a:ext cx="3342582" cy="923330"/>
+            <a:off x="3860800" y="2705725"/>
+            <a:ext cx="5118100" cy="1446550"/>
           </a:xfrm>
           <a:prstGeom prst="rect">
             <a:avLst/>
@@ -2988,14 +3030,14 @@
           <a:noFill/>
         </p:spPr>
         <p:txBody>
-          <a:bodyPr wrap="none" lIns="91440" tIns="45720" rIns="91440" bIns="45720">
+          <a:bodyPr wrap="square" lIns="91440" tIns="45720" rIns="91440" bIns="45720">
             <a:spAutoFit/>
           </a:bodyPr>
           <a:lstStyle/>
           <a:p>
             <a:pPr algn="ctr"/>
             <a:r>
-              <a:rPr lang="he-IL" sz="5400" dirty="0" smtClean="0">
+              <a:rPr lang="en-US" sz="8800" dirty="0" err="1" smtClean="0">
                 <a:ln w="0"/>
                 <a:effectLst>
                   <a:outerShdw blurRad="38100" dist="19050" dir="2700000" algn="tl" rotWithShape="0">
@@ -3004,14 +3046,13 @@
                     </a:schemeClr>
                   </a:outerShdw>
                 </a:effectLst>
+                <a:latin typeface="Segoe Script" panose="030B0504020000000003" pitchFamily="66" charset="0"/>
+                <a:cs typeface="+mj-cs"/>
               </a:rPr>
-              <a:t>מה הבעיה?</a:t>
-            </a:r>
-            <a:endParaRPr lang="he-IL" sz="5400" b="0" cap="none" spc="0" dirty="0">
+              <a:t>UOrder</a:t>
+            </a:r>
+            <a:endParaRPr lang="he-IL" sz="8800" cap="none" spc="0" dirty="0">
               <a:ln w="0"/>
-              <a:solidFill>
-                <a:schemeClr val="tx1"/>
-              </a:solidFill>
               <a:effectLst>
                 <a:outerShdw blurRad="38100" dist="19050" dir="2700000" algn="tl" rotWithShape="0">
                   <a:schemeClr val="dk1">
@@ -3019,10 +3060,61 @@
                   </a:schemeClr>
                 </a:outerShdw>
               </a:effectLst>
+              <a:latin typeface="Segoe Script" panose="030B0504020000000003" pitchFamily="66" charset="0"/>
+              <a:cs typeface="+mj-cs"/>
             </a:endParaRPr>
           </a:p>
         </p:txBody>
       </p:sp>
+    </p:spTree>
+    <p:extLst>
+      <p:ext uri="{BB962C8B-B14F-4D97-AF65-F5344CB8AC3E}">
+        <p14:creationId xmlns:p14="http://schemas.microsoft.com/office/powerpoint/2010/main" val="1802134878"/>
+      </p:ext>
+    </p:extLst>
+  </p:cSld>
+  <p:clrMapOvr>
+    <a:masterClrMapping/>
+  </p:clrMapOvr>
+  <mc:AlternateContent xmlns:mc="http://schemas.openxmlformats.org/markup-compatibility/2006">
+    <mc:Choice xmlns:p14="http://schemas.microsoft.com/office/powerpoint/2010/main" Requires="p14">
+      <p:transition spd="slow" p14:dur="4000">
+        <p14:vortex/>
+      </p:transition>
+    </mc:Choice>
+    <mc:Fallback>
+      <p:transition spd="slow">
+        <p:fade/>
+      </p:transition>
+    </mc:Fallback>
+  </mc:AlternateContent>
+  <p:timing>
+    <p:tnLst>
+      <p:par>
+        <p:cTn id="1" dur="indefinite" restart="never" nodeType="tmRoot"/>
+      </p:par>
+    </p:tnLst>
+  </p:timing>
+</p:sld>
+</file>
+
+<file path=ppt/slides/slide2.xml><?xml version="1.0" encoding="utf-8"?>
+<p:sld xmlns:a="http://schemas.openxmlformats.org/drawingml/2006/main" xmlns:r="http://schemas.openxmlformats.org/officeDocument/2006/relationships" xmlns:p="http://schemas.openxmlformats.org/presentationml/2006/main">
+  <p:cSld>
+    <p:spTree>
+      <p:nvGrpSpPr>
+        <p:cNvPr id="1" name=""/>
+        <p:cNvGrpSpPr/>
+        <p:nvPr/>
+      </p:nvGrpSpPr>
+      <p:grpSpPr>
+        <a:xfrm>
+          <a:off x="0" y="0"/>
+          <a:ext cx="0" cy="0"/>
+          <a:chOff x="0" y="0"/>
+          <a:chExt cx="0" cy="0"/>
+        </a:xfrm>
+      </p:grpSpPr>
       <p:sp>
         <p:nvSpPr>
           <p:cNvPr id="2" name="TextBox 1"/>
@@ -3031,8 +3123,8 @@
         </p:nvSpPr>
         <p:spPr>
           <a:xfrm>
-            <a:off x="5432425" y="1837132"/>
-            <a:ext cx="5607050" cy="1938992"/>
+            <a:off x="3806825" y="2365308"/>
+            <a:ext cx="5607050" cy="1569660"/>
           </a:xfrm>
           <a:prstGeom prst="rect">
             <a:avLst/>
@@ -3045,28 +3137,19 @@
           </a:bodyPr>
           <a:lstStyle/>
           <a:p>
-            <a:pPr marL="342900" indent="-342900" algn="ctr">
-              <a:buFont typeface="Arial" panose="020B0604020202020204" pitchFamily="34" charset="0"/>
-              <a:buChar char="•"/>
-            </a:pPr>
+            <a:pPr algn="ctr"/>
             <a:r>
               <a:rPr lang="he-IL" sz="2400" dirty="0" smtClean="0"/>
-              <a:t>תקופת הביאה אותנו לסיטואציה שבה יש סכנה ממשית לצאת ולהיחשף לאנשים.</a:t>
-            </a:r>
+              <a:t>תקופת הביאה אותנו לסיטואציה שבה יש סכנה ממשית לצאת ולהיחשף </a:t>
+            </a:r>
+            <a:r>
+              <a:rPr lang="he-IL" sz="2400" dirty="0" smtClean="0"/>
+              <a:t>לאנשים וגורם לקשיים רבים בכל תחומי החיים.</a:t>
+            </a:r>
+            <a:endParaRPr lang="he-IL" sz="2400" dirty="0" smtClean="0"/>
           </a:p>
           <a:p>
             <a:pPr algn="ctr"/>
-            <a:endParaRPr lang="he-IL" sz="2400" dirty="0"/>
-          </a:p>
-          <a:p>
-            <a:pPr marL="342900" indent="-342900" algn="ctr">
-              <a:buFont typeface="Arial" panose="020B0604020202020204" pitchFamily="34" charset="0"/>
-              <a:buChar char="•"/>
-            </a:pPr>
-            <a:r>
-              <a:rPr lang="he-IL" sz="2400" dirty="0" smtClean="0"/>
-              <a:t>ענף המסעדנות ספג מכה כלכלית קשה בשל אופציות החשיפה הרבות.</a:t>
-            </a:r>
             <a:endParaRPr lang="he-IL" sz="2400" dirty="0"/>
           </a:p>
         </p:txBody>
@@ -3095,6 +3178,252 @@
           </a:prstGeom>
         </p:spPr>
       </p:pic>
+      <p:pic>
+        <p:nvPicPr>
+          <p:cNvPr id="3076" name="Picture 4" descr="משבר הקורונה: מדיניות כלכלית מומלצת | המכון למחקרי ביטחון לאומי"/>
+          <p:cNvPicPr>
+            <a:picLocks noChangeAspect="1" noChangeArrowheads="1"/>
+          </p:cNvPicPr>
+          <p:nvPr/>
+        </p:nvPicPr>
+        <p:blipFill>
+          <a:blip r:embed="rId3">
+            <a:extLst>
+              <a:ext uri="{28A0092B-C50C-407E-A947-70E740481C1C}">
+                <a14:useLocalDpi xmlns:a14="http://schemas.microsoft.com/office/drawing/2010/main" val="0"/>
+              </a:ext>
+            </a:extLst>
+          </a:blip>
+          <a:srcRect/>
+          <a:stretch>
+            <a:fillRect/>
+          </a:stretch>
+        </p:blipFill>
+        <p:spPr bwMode="auto">
+          <a:xfrm>
+            <a:off x="6879527" y="42862"/>
+            <a:ext cx="3178873" cy="1981200"/>
+          </a:xfrm>
+          <a:prstGeom prst="rect">
+            <a:avLst/>
+          </a:prstGeom>
+          <a:noFill/>
+          <a:extLst>
+            <a:ext uri="{909E8E84-426E-40DD-AFC4-6F175D3DCCD1}">
+              <a14:hiddenFill xmlns:a14="http://schemas.microsoft.com/office/drawing/2010/main">
+                <a:solidFill>
+                  <a:srgbClr val="FFFFFF"/>
+                </a:solidFill>
+              </a14:hiddenFill>
+            </a:ext>
+          </a:extLst>
+        </p:spPr>
+      </p:pic>
+      <p:pic>
+        <p:nvPicPr>
+          <p:cNvPr id="3078" name="Picture 6" descr="פעילויות לעידוד ביטוי רגשי בזמן הקורונה - מאוחדת"/>
+          <p:cNvPicPr>
+            <a:picLocks noChangeAspect="1" noChangeArrowheads="1"/>
+          </p:cNvPicPr>
+          <p:nvPr/>
+        </p:nvPicPr>
+        <p:blipFill>
+          <a:blip r:embed="rId4">
+            <a:extLst>
+              <a:ext uri="{28A0092B-C50C-407E-A947-70E740481C1C}">
+                <a14:useLocalDpi xmlns:a14="http://schemas.microsoft.com/office/drawing/2010/main" val="0"/>
+              </a:ext>
+            </a:extLst>
+          </a:blip>
+          <a:srcRect/>
+          <a:stretch>
+            <a:fillRect/>
+          </a:stretch>
+        </p:blipFill>
+        <p:spPr bwMode="auto">
+          <a:xfrm>
+            <a:off x="4181475" y="4724400"/>
+            <a:ext cx="3546465" cy="2081884"/>
+          </a:xfrm>
+          <a:prstGeom prst="rect">
+            <a:avLst/>
+          </a:prstGeom>
+          <a:noFill/>
+          <a:extLst>
+            <a:ext uri="{909E8E84-426E-40DD-AFC4-6F175D3DCCD1}">
+              <a14:hiddenFill xmlns:a14="http://schemas.microsoft.com/office/drawing/2010/main">
+                <a:solidFill>
+                  <a:srgbClr val="FFFFFF"/>
+                </a:solidFill>
+              </a14:hiddenFill>
+            </a:ext>
+          </a:extLst>
+        </p:spPr>
+      </p:pic>
+      <p:pic>
+        <p:nvPicPr>
+          <p:cNvPr id="3082" name="Picture 10" descr="כל מה שרציתם לדעת על נגיף הקורונה | מחלות זיהומיות"/>
+          <p:cNvPicPr>
+            <a:picLocks noChangeAspect="1" noChangeArrowheads="1"/>
+          </p:cNvPicPr>
+          <p:nvPr/>
+        </p:nvPicPr>
+        <p:blipFill>
+          <a:blip r:embed="rId5">
+            <a:extLst>
+              <a:ext uri="{28A0092B-C50C-407E-A947-70E740481C1C}">
+                <a14:useLocalDpi xmlns:a14="http://schemas.microsoft.com/office/drawing/2010/main" val="0"/>
+              </a:ext>
+            </a:extLst>
+          </a:blip>
+          <a:srcRect/>
+          <a:stretch>
+            <a:fillRect/>
+          </a:stretch>
+        </p:blipFill>
+        <p:spPr bwMode="auto">
+          <a:xfrm>
+            <a:off x="9413875" y="1554162"/>
+            <a:ext cx="2619375" cy="1743076"/>
+          </a:xfrm>
+          <a:prstGeom prst="rect">
+            <a:avLst/>
+          </a:prstGeom>
+          <a:noFill/>
+          <a:extLst>
+            <a:ext uri="{909E8E84-426E-40DD-AFC4-6F175D3DCCD1}">
+              <a14:hiddenFill xmlns:a14="http://schemas.microsoft.com/office/drawing/2010/main">
+                <a:solidFill>
+                  <a:srgbClr val="FFFFFF"/>
+                </a:solidFill>
+              </a14:hiddenFill>
+            </a:ext>
+          </a:extLst>
+        </p:spPr>
+      </p:pic>
+      <p:pic>
+        <p:nvPicPr>
+          <p:cNvPr id="3086" name="Picture 14" descr="על רקע התפשטות הקורונה: מה זה 'מפיץ-על'? מומחית למחלות זיהומיות ..."/>
+          <p:cNvPicPr>
+            <a:picLocks noChangeAspect="1" noChangeArrowheads="1"/>
+          </p:cNvPicPr>
+          <p:nvPr/>
+        </p:nvPicPr>
+        <p:blipFill>
+          <a:blip r:embed="rId6">
+            <a:extLst>
+              <a:ext uri="{28A0092B-C50C-407E-A947-70E740481C1C}">
+                <a14:useLocalDpi xmlns:a14="http://schemas.microsoft.com/office/drawing/2010/main" val="0"/>
+              </a:ext>
+            </a:extLst>
+          </a:blip>
+          <a:srcRect/>
+          <a:stretch>
+            <a:fillRect/>
+          </a:stretch>
+        </p:blipFill>
+        <p:spPr bwMode="auto">
+          <a:xfrm>
+            <a:off x="65087" y="42862"/>
+            <a:ext cx="1914525" cy="2390775"/>
+          </a:xfrm>
+          <a:prstGeom prst="rect">
+            <a:avLst/>
+          </a:prstGeom>
+          <a:noFill/>
+          <a:extLst>
+            <a:ext uri="{909E8E84-426E-40DD-AFC4-6F175D3DCCD1}">
+              <a14:hiddenFill xmlns:a14="http://schemas.microsoft.com/office/drawing/2010/main">
+                <a:solidFill>
+                  <a:srgbClr val="FFFFFF"/>
+                </a:solidFill>
+              </a14:hiddenFill>
+            </a:ext>
+          </a:extLst>
+        </p:spPr>
+      </p:pic>
+      <p:pic>
+        <p:nvPicPr>
+          <p:cNvPr id="3088" name="Picture 16" descr="קורונה: המשבר מלמד כי מערכת הבריאות נכונה לשינוי מהיר | מעריב"/>
+          <p:cNvPicPr>
+            <a:picLocks noChangeAspect="1" noChangeArrowheads="1"/>
+          </p:cNvPicPr>
+          <p:nvPr/>
+        </p:nvPicPr>
+        <p:blipFill>
+          <a:blip r:embed="rId7">
+            <a:extLst>
+              <a:ext uri="{28A0092B-C50C-407E-A947-70E740481C1C}">
+                <a14:useLocalDpi xmlns:a14="http://schemas.microsoft.com/office/drawing/2010/main" val="0"/>
+              </a:ext>
+            </a:extLst>
+          </a:blip>
+          <a:srcRect/>
+          <a:stretch>
+            <a:fillRect/>
+          </a:stretch>
+        </p:blipFill>
+        <p:spPr bwMode="auto">
+          <a:xfrm>
+            <a:off x="1187450" y="2024062"/>
+            <a:ext cx="2552700" cy="1790701"/>
+          </a:xfrm>
+          <a:prstGeom prst="rect">
+            <a:avLst/>
+          </a:prstGeom>
+          <a:noFill/>
+          <a:extLst>
+            <a:ext uri="{909E8E84-426E-40DD-AFC4-6F175D3DCCD1}">
+              <a14:hiddenFill xmlns:a14="http://schemas.microsoft.com/office/drawing/2010/main">
+                <a:solidFill>
+                  <a:srgbClr val="FFFFFF"/>
+                </a:solidFill>
+              </a14:hiddenFill>
+            </a:ext>
+          </a:extLst>
+        </p:spPr>
+      </p:pic>
+      <p:pic>
+        <p:nvPicPr>
+          <p:cNvPr id="3090" name="Picture 18" descr="N12 – אתר החדשות של ישראל - דף 637"/>
+          <p:cNvPicPr>
+            <a:picLocks noChangeAspect="1" noChangeArrowheads="1"/>
+          </p:cNvPicPr>
+          <p:nvPr/>
+        </p:nvPicPr>
+        <p:blipFill>
+          <a:blip r:embed="rId8">
+            <a:extLst>
+              <a:ext uri="{28A0092B-C50C-407E-A947-70E740481C1C}">
+                <a14:useLocalDpi xmlns:a14="http://schemas.microsoft.com/office/drawing/2010/main" val="0"/>
+              </a:ext>
+            </a:extLst>
+          </a:blip>
+          <a:srcRect/>
+          <a:stretch>
+            <a:fillRect/>
+          </a:stretch>
+        </p:blipFill>
+        <p:spPr bwMode="auto">
+          <a:xfrm>
+            <a:off x="8105669" y="3141663"/>
+            <a:ext cx="2209800" cy="1666875"/>
+          </a:xfrm>
+          <a:prstGeom prst="rect">
+            <a:avLst/>
+          </a:prstGeom>
+          <a:noFill/>
+          <a:extLst>
+            <a:ext uri="{909E8E84-426E-40DD-AFC4-6F175D3DCCD1}">
+              <a14:hiddenFill xmlns:a14="http://schemas.microsoft.com/office/drawing/2010/main">
+                <a:solidFill>
+                  <a:srgbClr val="FFFFFF"/>
+                </a:solidFill>
+              </a14:hiddenFill>
+            </a:ext>
+          </a:extLst>
+        </p:spPr>
+      </p:pic>
     </p:spTree>
     <p:extLst>
       <p:ext uri="{BB962C8B-B14F-4D97-AF65-F5344CB8AC3E}">
@@ -3105,100 +3434,347 @@
   <p:clrMapOvr>
     <a:masterClrMapping/>
   </p:clrMapOvr>
-</p:sld>
-</file>
-
-<file path=ppt/slides/slide2.xml><?xml version="1.0" encoding="utf-8"?>
-<p:sld xmlns:a="http://schemas.openxmlformats.org/drawingml/2006/main" xmlns:r="http://schemas.openxmlformats.org/officeDocument/2006/relationships" xmlns:p="http://schemas.openxmlformats.org/presentationml/2006/main">
-  <p:cSld>
-    <p:spTree>
-      <p:nvGrpSpPr>
-        <p:cNvPr id="1" name=""/>
-        <p:cNvGrpSpPr/>
-        <p:nvPr/>
-      </p:nvGrpSpPr>
-      <p:grpSpPr>
-        <a:xfrm>
-          <a:off x="0" y="0"/>
-          <a:ext cx="0" cy="0"/>
-          <a:chOff x="0" y="0"/>
-          <a:chExt cx="0" cy="0"/>
-        </a:xfrm>
-      </p:grpSpPr>
-      <p:sp>
-        <p:nvSpPr>
-          <p:cNvPr id="4" name="TextBox 3"/>
-          <p:cNvSpPr txBox="1"/>
-          <p:nvPr/>
-        </p:nvSpPr>
-        <p:spPr>
-          <a:xfrm>
-            <a:off x="2832100" y="348734"/>
-            <a:ext cx="6540500" cy="769441"/>
-          </a:xfrm>
-          <a:prstGeom prst="rect">
-            <a:avLst/>
-          </a:prstGeom>
-          <a:noFill/>
-        </p:spPr>
-        <p:txBody>
-          <a:bodyPr wrap="square" rtlCol="1">
-            <a:spAutoFit/>
-          </a:bodyPr>
-          <a:lstStyle/>
-          <a:p>
-            <a:pPr algn="ctr"/>
-            <a:r>
-              <a:rPr lang="en-US" sz="4400" b="1" dirty="0" err="1" smtClean="0"/>
-              <a:t>IOrder</a:t>
-            </a:r>
-            <a:endParaRPr lang="he-IL" sz="4400" b="1" dirty="0"/>
-          </a:p>
-        </p:txBody>
-      </p:sp>
-      <p:sp>
-        <p:nvSpPr>
-          <p:cNvPr id="5" name="TextBox 4"/>
-          <p:cNvSpPr txBox="1"/>
-          <p:nvPr/>
-        </p:nvSpPr>
-        <p:spPr>
-          <a:xfrm>
-            <a:off x="4140200" y="1613475"/>
-            <a:ext cx="7429500" cy="646331"/>
-          </a:xfrm>
-          <a:prstGeom prst="rect">
-            <a:avLst/>
-          </a:prstGeom>
-          <a:noFill/>
-        </p:spPr>
-        <p:txBody>
-          <a:bodyPr wrap="square" rtlCol="1">
-            <a:spAutoFit/>
-          </a:bodyPr>
-          <a:lstStyle/>
-          <a:p>
-            <a:pPr marL="285750" indent="-285750">
-              <a:buFont typeface="Arial" panose="020B0604020202020204" pitchFamily="34" charset="0"/>
-              <a:buChar char="•"/>
-            </a:pPr>
-            <a:r>
-              <a:rPr lang="he-IL" dirty="0" smtClean="0"/>
-              <a:t>הפתרון הינו אפליקציה נותנת ללקוח אפשרות להזמין מקום ולקבל שירות מהמסעדה באמצעות מגע מינימלי בין המלצר ללקוח.</a:t>
-            </a:r>
-          </a:p>
-        </p:txBody>
-      </p:sp>
-    </p:spTree>
-    <p:extLst>
-      <p:ext uri="{BB962C8B-B14F-4D97-AF65-F5344CB8AC3E}">
-        <p14:creationId xmlns:p14="http://schemas.microsoft.com/office/powerpoint/2010/main" val="1638375079"/>
-      </p:ext>
-    </p:extLst>
-  </p:cSld>
-  <p:clrMapOvr>
-    <a:masterClrMapping/>
-  </p:clrMapOvr>
+  <mc:AlternateContent xmlns:mc="http://schemas.openxmlformats.org/markup-compatibility/2006">
+    <mc:Choice xmlns:p15="http://schemas.microsoft.com/office/powerpoint/2012/main" Requires="p15">
+      <p:transition xmlns:p14="http://schemas.microsoft.com/office/powerpoint/2010/main" spd="slow" p14:dur="2000">
+        <p15:prstTrans prst="crush"/>
+      </p:transition>
+    </mc:Choice>
+    <mc:Fallback>
+      <p:transition spd="slow">
+        <p:fade/>
+      </p:transition>
+    </mc:Fallback>
+  </mc:AlternateContent>
+  <p:timing>
+    <p:tnLst>
+      <p:par>
+        <p:cTn id="1" dur="indefinite" restart="never" nodeType="tmRoot">
+          <p:childTnLst>
+            <p:seq concurrent="1" nextAc="seek">
+              <p:cTn id="2" dur="indefinite" nodeType="mainSeq">
+                <p:childTnLst>
+                  <p:par>
+                    <p:cTn id="3" fill="hold">
+                      <p:stCondLst>
+                        <p:cond delay="indefinite"/>
+                      </p:stCondLst>
+                      <p:childTnLst>
+                        <p:par>
+                          <p:cTn id="4" fill="hold">
+                            <p:stCondLst>
+                              <p:cond delay="0"/>
+                            </p:stCondLst>
+                            <p:childTnLst>
+                              <p:par>
+                                <p:cTn id="5" presetID="26" presetClass="entr" presetSubtype="0" fill="hold" grpId="0" nodeType="clickEffect">
+                                  <p:stCondLst>
+                                    <p:cond delay="0"/>
+                                  </p:stCondLst>
+                                  <p:childTnLst>
+                                    <p:set>
+                                      <p:cBhvr>
+                                        <p:cTn id="6" dur="1" fill="hold">
+                                          <p:stCondLst>
+                                            <p:cond delay="0"/>
+                                          </p:stCondLst>
+                                        </p:cTn>
+                                        <p:tgtEl>
+                                          <p:spTgt spid="2"/>
+                                        </p:tgtEl>
+                                        <p:attrNameLst>
+                                          <p:attrName>style.visibility</p:attrName>
+                                        </p:attrNameLst>
+                                      </p:cBhvr>
+                                      <p:to>
+                                        <p:strVal val="visible"/>
+                                      </p:to>
+                                    </p:set>
+                                    <p:animEffect transition="in" filter="wipe(down)">
+                                      <p:cBhvr>
+                                        <p:cTn id="7" dur="580">
+                                          <p:stCondLst>
+                                            <p:cond delay="0"/>
+                                          </p:stCondLst>
+                                        </p:cTn>
+                                        <p:tgtEl>
+                                          <p:spTgt spid="2"/>
+                                        </p:tgtEl>
+                                      </p:cBhvr>
+                                    </p:animEffect>
+                                    <p:anim calcmode="lin" valueType="num">
+                                      <p:cBhvr>
+                                        <p:cTn id="8" dur="1822" tmFilter="0,0; 0.14,0.36; 0.43,0.73; 0.71,0.91; 1.0,1.0">
+                                          <p:stCondLst>
+                                            <p:cond delay="0"/>
+                                          </p:stCondLst>
+                                        </p:cTn>
+                                        <p:tgtEl>
+                                          <p:spTgt spid="2"/>
+                                        </p:tgtEl>
+                                        <p:attrNameLst>
+                                          <p:attrName>ppt_x</p:attrName>
+                                        </p:attrNameLst>
+                                      </p:cBhvr>
+                                      <p:tavLst>
+                                        <p:tav tm="0">
+                                          <p:val>
+                                            <p:strVal val="#ppt_x-0.25"/>
+                                          </p:val>
+                                        </p:tav>
+                                        <p:tav tm="100000">
+                                          <p:val>
+                                            <p:strVal val="#ppt_x"/>
+                                          </p:val>
+                                        </p:tav>
+                                      </p:tavLst>
+                                    </p:anim>
+                                    <p:anim calcmode="lin" valueType="num">
+                                      <p:cBhvr>
+                                        <p:cTn id="9" dur="664" tmFilter="0.0,0.0; 0.25,0.07; 0.50,0.2; 0.75,0.467; 1.0,1.0">
+                                          <p:stCondLst>
+                                            <p:cond delay="0"/>
+                                          </p:stCondLst>
+                                        </p:cTn>
+                                        <p:tgtEl>
+                                          <p:spTgt spid="2"/>
+                                        </p:tgtEl>
+                                        <p:attrNameLst>
+                                          <p:attrName>ppt_y</p:attrName>
+                                        </p:attrNameLst>
+                                      </p:cBhvr>
+                                      <p:tavLst>
+                                        <p:tav tm="0" fmla="#ppt_y-sin(pi*$)/3">
+                                          <p:val>
+                                            <p:fltVal val="0.5"/>
+                                          </p:val>
+                                        </p:tav>
+                                        <p:tav tm="100000">
+                                          <p:val>
+                                            <p:fltVal val="1"/>
+                                          </p:val>
+                                        </p:tav>
+                                      </p:tavLst>
+                                    </p:anim>
+                                    <p:anim calcmode="lin" valueType="num">
+                                      <p:cBhvr>
+                                        <p:cTn id="10" dur="664" tmFilter="0, 0; 0.125,0.2665; 0.25,0.4; 0.375,0.465; 0.5,0.5;  0.625,0.535; 0.75,0.6; 0.875,0.7335; 1,1">
+                                          <p:stCondLst>
+                                            <p:cond delay="664"/>
+                                          </p:stCondLst>
+                                        </p:cTn>
+                                        <p:tgtEl>
+                                          <p:spTgt spid="2"/>
+                                        </p:tgtEl>
+                                        <p:attrNameLst>
+                                          <p:attrName>ppt_y</p:attrName>
+                                        </p:attrNameLst>
+                                      </p:cBhvr>
+                                      <p:tavLst>
+                                        <p:tav tm="0" fmla="#ppt_y-sin(pi*$)/9">
+                                          <p:val>
+                                            <p:fltVal val="0"/>
+                                          </p:val>
+                                        </p:tav>
+                                        <p:tav tm="100000">
+                                          <p:val>
+                                            <p:fltVal val="1"/>
+                                          </p:val>
+                                        </p:tav>
+                                      </p:tavLst>
+                                    </p:anim>
+                                    <p:anim calcmode="lin" valueType="num">
+                                      <p:cBhvr>
+                                        <p:cTn id="11" dur="332" tmFilter="0, 0; 0.125,0.2665; 0.25,0.4; 0.375,0.465; 0.5,0.5;  0.625,0.535; 0.75,0.6; 0.875,0.7335; 1,1">
+                                          <p:stCondLst>
+                                            <p:cond delay="1324"/>
+                                          </p:stCondLst>
+                                        </p:cTn>
+                                        <p:tgtEl>
+                                          <p:spTgt spid="2"/>
+                                        </p:tgtEl>
+                                        <p:attrNameLst>
+                                          <p:attrName>ppt_y</p:attrName>
+                                        </p:attrNameLst>
+                                      </p:cBhvr>
+                                      <p:tavLst>
+                                        <p:tav tm="0" fmla="#ppt_y-sin(pi*$)/27">
+                                          <p:val>
+                                            <p:fltVal val="0"/>
+                                          </p:val>
+                                        </p:tav>
+                                        <p:tav tm="100000">
+                                          <p:val>
+                                            <p:fltVal val="1"/>
+                                          </p:val>
+                                        </p:tav>
+                                      </p:tavLst>
+                                    </p:anim>
+                                    <p:anim calcmode="lin" valueType="num">
+                                      <p:cBhvr>
+                                        <p:cTn id="12" dur="164" tmFilter="0, 0; 0.125,0.2665; 0.25,0.4; 0.375,0.465; 0.5,0.5;  0.625,0.535; 0.75,0.6; 0.875,0.7335; 1,1">
+                                          <p:stCondLst>
+                                            <p:cond delay="1656"/>
+                                          </p:stCondLst>
+                                        </p:cTn>
+                                        <p:tgtEl>
+                                          <p:spTgt spid="2"/>
+                                        </p:tgtEl>
+                                        <p:attrNameLst>
+                                          <p:attrName>ppt_y</p:attrName>
+                                        </p:attrNameLst>
+                                      </p:cBhvr>
+                                      <p:tavLst>
+                                        <p:tav tm="0" fmla="#ppt_y-sin(pi*$)/81">
+                                          <p:val>
+                                            <p:fltVal val="0"/>
+                                          </p:val>
+                                        </p:tav>
+                                        <p:tav tm="100000">
+                                          <p:val>
+                                            <p:fltVal val="1"/>
+                                          </p:val>
+                                        </p:tav>
+                                      </p:tavLst>
+                                    </p:anim>
+                                    <p:animScale>
+                                      <p:cBhvr>
+                                        <p:cTn id="13" dur="26">
+                                          <p:stCondLst>
+                                            <p:cond delay="650"/>
+                                          </p:stCondLst>
+                                        </p:cTn>
+                                        <p:tgtEl>
+                                          <p:spTgt spid="2"/>
+                                        </p:tgtEl>
+                                      </p:cBhvr>
+                                      <p:to x="100000" y="60000"/>
+                                    </p:animScale>
+                                    <p:animScale>
+                                      <p:cBhvr>
+                                        <p:cTn id="14" dur="166" decel="50000">
+                                          <p:stCondLst>
+                                            <p:cond delay="676"/>
+                                          </p:stCondLst>
+                                        </p:cTn>
+                                        <p:tgtEl>
+                                          <p:spTgt spid="2"/>
+                                        </p:tgtEl>
+                                      </p:cBhvr>
+                                      <p:to x="100000" y="100000"/>
+                                    </p:animScale>
+                                    <p:animScale>
+                                      <p:cBhvr>
+                                        <p:cTn id="15" dur="26">
+                                          <p:stCondLst>
+                                            <p:cond delay="1312"/>
+                                          </p:stCondLst>
+                                        </p:cTn>
+                                        <p:tgtEl>
+                                          <p:spTgt spid="2"/>
+                                        </p:tgtEl>
+                                      </p:cBhvr>
+                                      <p:to x="100000" y="80000"/>
+                                    </p:animScale>
+                                    <p:animScale>
+                                      <p:cBhvr>
+                                        <p:cTn id="16" dur="166" decel="50000">
+                                          <p:stCondLst>
+                                            <p:cond delay="1338"/>
+                                          </p:stCondLst>
+                                        </p:cTn>
+                                        <p:tgtEl>
+                                          <p:spTgt spid="2"/>
+                                        </p:tgtEl>
+                                      </p:cBhvr>
+                                      <p:to x="100000" y="100000"/>
+                                    </p:animScale>
+                                    <p:animScale>
+                                      <p:cBhvr>
+                                        <p:cTn id="17" dur="26">
+                                          <p:stCondLst>
+                                            <p:cond delay="1642"/>
+                                          </p:stCondLst>
+                                        </p:cTn>
+                                        <p:tgtEl>
+                                          <p:spTgt spid="2"/>
+                                        </p:tgtEl>
+                                      </p:cBhvr>
+                                      <p:to x="100000" y="90000"/>
+                                    </p:animScale>
+                                    <p:animScale>
+                                      <p:cBhvr>
+                                        <p:cTn id="18" dur="166" decel="50000">
+                                          <p:stCondLst>
+                                            <p:cond delay="1668"/>
+                                          </p:stCondLst>
+                                        </p:cTn>
+                                        <p:tgtEl>
+                                          <p:spTgt spid="2"/>
+                                        </p:tgtEl>
+                                      </p:cBhvr>
+                                      <p:to x="100000" y="100000"/>
+                                    </p:animScale>
+                                    <p:animScale>
+                                      <p:cBhvr>
+                                        <p:cTn id="19" dur="26">
+                                          <p:stCondLst>
+                                            <p:cond delay="1808"/>
+                                          </p:stCondLst>
+                                        </p:cTn>
+                                        <p:tgtEl>
+                                          <p:spTgt spid="2"/>
+                                        </p:tgtEl>
+                                      </p:cBhvr>
+                                      <p:to x="100000" y="95000"/>
+                                    </p:animScale>
+                                    <p:animScale>
+                                      <p:cBhvr>
+                                        <p:cTn id="20" dur="166" decel="50000">
+                                          <p:stCondLst>
+                                            <p:cond delay="1834"/>
+                                          </p:stCondLst>
+                                        </p:cTn>
+                                        <p:tgtEl>
+                                          <p:spTgt spid="2"/>
+                                        </p:tgtEl>
+                                      </p:cBhvr>
+                                      <p:to x="100000" y="100000"/>
+                                    </p:animScale>
+                                  </p:childTnLst>
+                                </p:cTn>
+                              </p:par>
+                            </p:childTnLst>
+                          </p:cTn>
+                        </p:par>
+                      </p:childTnLst>
+                    </p:cTn>
+                  </p:par>
+                </p:childTnLst>
+              </p:cTn>
+              <p:prevCondLst>
+                <p:cond evt="onPrev" delay="0">
+                  <p:tgtEl>
+                    <p:sldTgt/>
+                  </p:tgtEl>
+                </p:cond>
+              </p:prevCondLst>
+              <p:nextCondLst>
+                <p:cond evt="onNext" delay="0">
+                  <p:tgtEl>
+                    <p:sldTgt/>
+                  </p:tgtEl>
+                </p:cond>
+              </p:nextCondLst>
+            </p:seq>
+          </p:childTnLst>
+        </p:cTn>
+      </p:par>
+    </p:tnLst>
+    <p:bldLst>
+      <p:bldP spid="2" grpId="0"/>
+    </p:bldLst>
+  </p:timing>
 </p:sld>
 </file>
 
@@ -3219,54 +3795,613 @@
           <a:chExt cx="0" cy="0"/>
         </a:xfrm>
       </p:grpSpPr>
-      <p:sp>
-        <p:nvSpPr>
-          <p:cNvPr id="2" name="כותרת 1"/>
-          <p:cNvSpPr>
-            <a:spLocks noGrp="1"/>
-          </p:cNvSpPr>
-          <p:nvPr>
-            <p:ph type="title"/>
-          </p:nvPr>
-        </p:nvSpPr>
-        <p:spPr/>
-        <p:txBody>
-          <a:bodyPr/>
-          <a:lstStyle/>
-          <a:p>
-            <a:endParaRPr lang="he-IL"/>
-          </a:p>
-        </p:txBody>
-      </p:sp>
-      <p:sp>
-        <p:nvSpPr>
-          <p:cNvPr id="3" name="מציין מיקום תוכן 2"/>
-          <p:cNvSpPr>
-            <a:spLocks noGrp="1"/>
-          </p:cNvSpPr>
-          <p:nvPr>
-            <p:ph idx="1"/>
-          </p:nvPr>
-        </p:nvSpPr>
-        <p:spPr/>
-        <p:txBody>
-          <a:bodyPr/>
-          <a:lstStyle/>
-          <a:p>
-            <a:endParaRPr lang="he-IL"/>
+      <p:pic>
+        <p:nvPicPr>
+          <p:cNvPr id="2050" name="Picture 2" descr="מסעדות בלונדון - המלצות אוכל ומסעדות מומלצות בלונדון | אל על"/>
+          <p:cNvPicPr>
+            <a:picLocks noChangeAspect="1" noChangeArrowheads="1"/>
+          </p:cNvPicPr>
+          <p:nvPr/>
+        </p:nvPicPr>
+        <p:blipFill>
+          <a:blip r:embed="rId2">
+            <a:extLst>
+              <a:ext uri="{28A0092B-C50C-407E-A947-70E740481C1C}">
+                <a14:useLocalDpi xmlns:a14="http://schemas.microsoft.com/office/drawing/2010/main" val="0"/>
+              </a:ext>
+            </a:extLst>
+          </a:blip>
+          <a:srcRect/>
+          <a:stretch>
+            <a:fillRect/>
+          </a:stretch>
+        </p:blipFill>
+        <p:spPr bwMode="auto">
+          <a:xfrm>
+            <a:off x="0" y="-70930"/>
+            <a:ext cx="12192000" cy="6928930"/>
+          </a:xfrm>
+          <a:prstGeom prst="rect">
+            <a:avLst/>
+          </a:prstGeom>
+          <a:noFill/>
+          <a:extLst>
+            <a:ext uri="{909E8E84-426E-40DD-AFC4-6F175D3DCCD1}">
+              <a14:hiddenFill xmlns:a14="http://schemas.microsoft.com/office/drawing/2010/main">
+                <a:solidFill>
+                  <a:srgbClr val="FFFFFF"/>
+                </a:solidFill>
+              </a14:hiddenFill>
+            </a:ext>
+          </a:extLst>
+        </p:spPr>
+      </p:pic>
+      <p:sp>
+        <p:nvSpPr>
+          <p:cNvPr id="4" name="TextBox 3"/>
+          <p:cNvSpPr txBox="1"/>
+          <p:nvPr/>
+        </p:nvSpPr>
+        <p:spPr>
+          <a:xfrm>
+            <a:off x="3448050" y="1778000"/>
+            <a:ext cx="6489700" cy="1477328"/>
+          </a:xfrm>
+          <a:prstGeom prst="rect">
+            <a:avLst/>
+          </a:prstGeom>
+          <a:noFill/>
+        </p:spPr>
+        <p:txBody>
+          <a:bodyPr wrap="square" rtlCol="1">
+            <a:spAutoFit/>
+          </a:bodyPr>
+          <a:lstStyle/>
+          <a:p>
+            <a:pPr marL="285750" indent="-285750">
+              <a:buFont typeface="Arial" panose="020B0604020202020204" pitchFamily="34" charset="0"/>
+              <a:buChar char="•"/>
+            </a:pPr>
+            <a:r>
+              <a:rPr lang="he-IL" dirty="0" smtClean="0"/>
+              <a:t>בעקבות העלייה בתחלואה כל המסעדות נסגרו ללקוחות לכן ענף </a:t>
+            </a:r>
+            <a:r>
+              <a:rPr lang="he-IL" dirty="0"/>
+              <a:t>המסעדנות ספג מכה כלכלית קשה בשל אופציות החשיפה </a:t>
+            </a:r>
+            <a:r>
+              <a:rPr lang="he-IL" dirty="0" smtClean="0"/>
+              <a:t>הרבות המצויות במסעדות. לכן חיפשנו גורמים שיסיעו לנו בשיפור המצב שמירה על בריאותינו.</a:t>
+            </a:r>
+          </a:p>
+          <a:p>
+            <a:endParaRPr lang="he-IL" dirty="0" smtClean="0"/>
+          </a:p>
+        </p:txBody>
+      </p:sp>
+      <p:sp>
+        <p:nvSpPr>
+          <p:cNvPr id="6" name="מלבן 5"/>
+          <p:cNvSpPr/>
+          <p:nvPr/>
+        </p:nvSpPr>
+        <p:spPr>
+          <a:xfrm>
+            <a:off x="7843267" y="391870"/>
+            <a:ext cx="4188967" cy="923330"/>
+          </a:xfrm>
+          <a:prstGeom prst="rect">
+            <a:avLst/>
+          </a:prstGeom>
+          <a:noFill/>
+        </p:spPr>
+        <p:txBody>
+          <a:bodyPr wrap="none" lIns="91440" tIns="45720" rIns="91440" bIns="45720">
+            <a:spAutoFit/>
+          </a:bodyPr>
+          <a:lstStyle/>
+          <a:p>
+            <a:pPr algn="ctr"/>
+            <a:r>
+              <a:rPr lang="he-IL" sz="5400" dirty="0" smtClean="0">
+                <a:ln w="0"/>
+                <a:effectLst>
+                  <a:outerShdw blurRad="38100" dist="19050" dir="2700000" algn="tl" rotWithShape="0">
+                    <a:schemeClr val="dk1">
+                      <a:alpha val="40000"/>
+                    </a:schemeClr>
+                  </a:outerShdw>
+                </a:effectLst>
+              </a:rPr>
+              <a:t>אז מה הבעיה?</a:t>
+            </a:r>
+            <a:endParaRPr lang="he-IL" sz="5400" b="0" cap="none" spc="0" dirty="0">
+              <a:ln w="0"/>
+              <a:solidFill>
+                <a:schemeClr val="tx1"/>
+              </a:solidFill>
+              <a:effectLst>
+                <a:outerShdw blurRad="38100" dist="19050" dir="2700000" algn="tl" rotWithShape="0">
+                  <a:schemeClr val="dk1">
+                    <a:alpha val="40000"/>
+                  </a:schemeClr>
+                </a:outerShdw>
+              </a:effectLst>
+            </a:endParaRPr>
           </a:p>
         </p:txBody>
       </p:sp>
     </p:spTree>
     <p:extLst>
       <p:ext uri="{BB962C8B-B14F-4D97-AF65-F5344CB8AC3E}">
-        <p14:creationId xmlns:p14="http://schemas.microsoft.com/office/powerpoint/2010/main" val="3812797908"/>
+        <p14:creationId xmlns:p14="http://schemas.microsoft.com/office/powerpoint/2010/main" val="900125470"/>
       </p:ext>
     </p:extLst>
   </p:cSld>
   <p:clrMapOvr>
     <a:masterClrMapping/>
   </p:clrMapOvr>
+  <mc:AlternateContent xmlns:mc="http://schemas.openxmlformats.org/markup-compatibility/2006">
+    <mc:Choice xmlns:p14="http://schemas.microsoft.com/office/powerpoint/2010/main" Requires="p14">
+      <p:transition spd="slow" p14:dur="4400">
+        <p14:honeycomb/>
+      </p:transition>
+    </mc:Choice>
+    <mc:Fallback>
+      <p:transition spd="slow">
+        <p:fade/>
+      </p:transition>
+    </mc:Fallback>
+  </mc:AlternateContent>
+  <p:timing>
+    <p:tnLst>
+      <p:par>
+        <p:cTn id="1" dur="indefinite" restart="never" nodeType="tmRoot">
+          <p:childTnLst>
+            <p:seq concurrent="1" nextAc="seek">
+              <p:cTn id="2" dur="indefinite" nodeType="mainSeq">
+                <p:childTnLst>
+                  <p:par>
+                    <p:cTn id="3" fill="hold">
+                      <p:stCondLst>
+                        <p:cond delay="indefinite"/>
+                      </p:stCondLst>
+                      <p:childTnLst>
+                        <p:par>
+                          <p:cTn id="4" fill="hold">
+                            <p:stCondLst>
+                              <p:cond delay="0"/>
+                            </p:stCondLst>
+                            <p:childTnLst>
+                              <p:par>
+                                <p:cTn id="5" presetID="22" presetClass="entr" presetSubtype="4" fill="hold" grpId="0" nodeType="clickEffect">
+                                  <p:stCondLst>
+                                    <p:cond delay="0"/>
+                                  </p:stCondLst>
+                                  <p:childTnLst>
+                                    <p:set>
+                                      <p:cBhvr>
+                                        <p:cTn id="6" dur="1" fill="hold">
+                                          <p:stCondLst>
+                                            <p:cond delay="0"/>
+                                          </p:stCondLst>
+                                        </p:cTn>
+                                        <p:tgtEl>
+                                          <p:spTgt spid="4"/>
+                                        </p:tgtEl>
+                                        <p:attrNameLst>
+                                          <p:attrName>style.visibility</p:attrName>
+                                        </p:attrNameLst>
+                                      </p:cBhvr>
+                                      <p:to>
+                                        <p:strVal val="visible"/>
+                                      </p:to>
+                                    </p:set>
+                                    <p:animEffect transition="in" filter="wipe(down)">
+                                      <p:cBhvr>
+                                        <p:cTn id="7" dur="500"/>
+                                        <p:tgtEl>
+                                          <p:spTgt spid="4"/>
+                                        </p:tgtEl>
+                                      </p:cBhvr>
+                                    </p:animEffect>
+                                  </p:childTnLst>
+                                </p:cTn>
+                              </p:par>
+                            </p:childTnLst>
+                          </p:cTn>
+                        </p:par>
+                      </p:childTnLst>
+                    </p:cTn>
+                  </p:par>
+                </p:childTnLst>
+              </p:cTn>
+              <p:prevCondLst>
+                <p:cond evt="onPrev" delay="0">
+                  <p:tgtEl>
+                    <p:sldTgt/>
+                  </p:tgtEl>
+                </p:cond>
+              </p:prevCondLst>
+              <p:nextCondLst>
+                <p:cond evt="onNext" delay="0">
+                  <p:tgtEl>
+                    <p:sldTgt/>
+                  </p:tgtEl>
+                </p:cond>
+              </p:nextCondLst>
+            </p:seq>
+          </p:childTnLst>
+        </p:cTn>
+      </p:par>
+    </p:tnLst>
+    <p:bldLst>
+      <p:bldP spid="4" grpId="0"/>
+    </p:bldLst>
+  </p:timing>
+</p:sld>
+</file>
+
+<file path=ppt/slides/slide4.xml><?xml version="1.0" encoding="utf-8"?>
+<p:sld xmlns:a="http://schemas.openxmlformats.org/drawingml/2006/main" xmlns:r="http://schemas.openxmlformats.org/officeDocument/2006/relationships" xmlns:p="http://schemas.openxmlformats.org/presentationml/2006/main">
+  <p:cSld>
+    <p:spTree>
+      <p:nvGrpSpPr>
+        <p:cNvPr id="1" name=""/>
+        <p:cNvGrpSpPr/>
+        <p:nvPr/>
+      </p:nvGrpSpPr>
+      <p:grpSpPr>
+        <a:xfrm>
+          <a:off x="0" y="0"/>
+          <a:ext cx="0" cy="0"/>
+          <a:chOff x="0" y="0"/>
+          <a:chExt cx="0" cy="0"/>
+        </a:xfrm>
+      </p:grpSpPr>
+      <p:pic>
+        <p:nvPicPr>
+          <p:cNvPr id="2" name="תמונה 1"/>
+          <p:cNvPicPr>
+            <a:picLocks noChangeAspect="1"/>
+          </p:cNvPicPr>
+          <p:nvPr/>
+        </p:nvPicPr>
+        <p:blipFill>
+          <a:blip r:embed="rId2"/>
+          <a:stretch>
+            <a:fillRect/>
+          </a:stretch>
+        </p:blipFill>
+        <p:spPr>
+          <a:xfrm>
+            <a:off x="0" y="0"/>
+            <a:ext cx="12192000" cy="6858000"/>
+          </a:xfrm>
+          <a:prstGeom prst="rect">
+            <a:avLst/>
+          </a:prstGeom>
+        </p:spPr>
+      </p:pic>
+      <p:sp>
+        <p:nvSpPr>
+          <p:cNvPr id="4" name="TextBox 3"/>
+          <p:cNvSpPr txBox="1"/>
+          <p:nvPr/>
+        </p:nvSpPr>
+        <p:spPr>
+          <a:xfrm>
+            <a:off x="2825750" y="2158206"/>
+            <a:ext cx="6540500" cy="769441"/>
+          </a:xfrm>
+          <a:prstGeom prst="rect">
+            <a:avLst/>
+          </a:prstGeom>
+          <a:noFill/>
+        </p:spPr>
+        <p:txBody>
+          <a:bodyPr wrap="square" rtlCol="1">
+            <a:spAutoFit/>
+          </a:bodyPr>
+          <a:lstStyle/>
+          <a:p>
+            <a:pPr algn="ctr"/>
+            <a:r>
+              <a:rPr lang="en-US" sz="4400" b="1" dirty="0" err="1" smtClean="0"/>
+              <a:t>UOrder</a:t>
+            </a:r>
+            <a:endParaRPr lang="he-IL" sz="4400" b="1" dirty="0"/>
+          </a:p>
+        </p:txBody>
+      </p:sp>
+      <p:sp>
+        <p:nvSpPr>
+          <p:cNvPr id="5" name="TextBox 4"/>
+          <p:cNvSpPr txBox="1"/>
+          <p:nvPr/>
+        </p:nvSpPr>
+        <p:spPr>
+          <a:xfrm>
+            <a:off x="8293100" y="3276600"/>
+            <a:ext cx="3111500" cy="1477328"/>
+          </a:xfrm>
+          <a:prstGeom prst="rect">
+            <a:avLst/>
+          </a:prstGeom>
+          <a:noFill/>
+        </p:spPr>
+        <p:txBody>
+          <a:bodyPr wrap="square" rtlCol="1">
+            <a:spAutoFit/>
+          </a:bodyPr>
+          <a:lstStyle/>
+          <a:p>
+            <a:pPr marL="285750" indent="-285750">
+              <a:buFont typeface="Arial" panose="020B0604020202020204" pitchFamily="34" charset="0"/>
+              <a:buChar char="•"/>
+            </a:pPr>
+            <a:r>
+              <a:rPr lang="he-IL" dirty="0" smtClean="0"/>
+              <a:t>הפתרון הינו אפליקציה נותנת ללקוח אפשרות להזמין מקום ולקבל שירות מהמסעדה באמצעות מגע מינימלי בין המלצר ללקוח.</a:t>
+            </a:r>
+          </a:p>
+        </p:txBody>
+      </p:sp>
+    </p:spTree>
+    <p:extLst>
+      <p:ext uri="{BB962C8B-B14F-4D97-AF65-F5344CB8AC3E}">
+        <p14:creationId xmlns:p14="http://schemas.microsoft.com/office/powerpoint/2010/main" val="1638375079"/>
+      </p:ext>
+    </p:extLst>
+  </p:cSld>
+  <p:clrMapOvr>
+    <a:masterClrMapping/>
+  </p:clrMapOvr>
+  <mc:AlternateContent xmlns:mc="http://schemas.openxmlformats.org/markup-compatibility/2006">
+    <mc:Choice xmlns:p14="http://schemas.microsoft.com/office/powerpoint/2010/main" Requires="p14">
+      <p:transition spd="slow" p14:dur="1200">
+        <p14:prism dir="r"/>
+      </p:transition>
+    </mc:Choice>
+    <mc:Fallback>
+      <p:transition spd="slow">
+        <p:fade/>
+      </p:transition>
+    </mc:Fallback>
+  </mc:AlternateContent>
+  <p:timing>
+    <p:tnLst>
+      <p:par>
+        <p:cTn id="1" dur="indefinite" restart="never" nodeType="tmRoot">
+          <p:childTnLst>
+            <p:seq concurrent="1" nextAc="seek">
+              <p:cTn id="2" dur="indefinite" nodeType="mainSeq">
+                <p:childTnLst>
+                  <p:par>
+                    <p:cTn id="3" fill="hold">
+                      <p:stCondLst>
+                        <p:cond delay="indefinite"/>
+                      </p:stCondLst>
+                      <p:childTnLst>
+                        <p:par>
+                          <p:cTn id="4" fill="hold">
+                            <p:stCondLst>
+                              <p:cond delay="0"/>
+                            </p:stCondLst>
+                            <p:childTnLst>
+                              <p:par>
+                                <p:cTn id="5" presetID="45" presetClass="entr" presetSubtype="0" fill="hold" grpId="0" nodeType="clickEffect">
+                                  <p:stCondLst>
+                                    <p:cond delay="0"/>
+                                  </p:stCondLst>
+                                  <p:childTnLst>
+                                    <p:set>
+                                      <p:cBhvr>
+                                        <p:cTn id="6" dur="1" fill="hold">
+                                          <p:stCondLst>
+                                            <p:cond delay="0"/>
+                                          </p:stCondLst>
+                                        </p:cTn>
+                                        <p:tgtEl>
+                                          <p:spTgt spid="4"/>
+                                        </p:tgtEl>
+                                        <p:attrNameLst>
+                                          <p:attrName>style.visibility</p:attrName>
+                                        </p:attrNameLst>
+                                      </p:cBhvr>
+                                      <p:to>
+                                        <p:strVal val="visible"/>
+                                      </p:to>
+                                    </p:set>
+                                    <p:animEffect transition="in" filter="fade">
+                                      <p:cBhvr>
+                                        <p:cTn id="7" dur="2000"/>
+                                        <p:tgtEl>
+                                          <p:spTgt spid="4"/>
+                                        </p:tgtEl>
+                                      </p:cBhvr>
+                                    </p:animEffect>
+                                    <p:anim calcmode="lin" valueType="num">
+                                      <p:cBhvr>
+                                        <p:cTn id="8" dur="2000" fill="hold"/>
+                                        <p:tgtEl>
+                                          <p:spTgt spid="4"/>
+                                        </p:tgtEl>
+                                        <p:attrNameLst>
+                                          <p:attrName>ppt_w</p:attrName>
+                                        </p:attrNameLst>
+                                      </p:cBhvr>
+                                      <p:tavLst>
+                                        <p:tav tm="0" fmla="#ppt_w*sin(2.5*pi*$)">
+                                          <p:val>
+                                            <p:fltVal val="0"/>
+                                          </p:val>
+                                        </p:tav>
+                                        <p:tav tm="100000">
+                                          <p:val>
+                                            <p:fltVal val="1"/>
+                                          </p:val>
+                                        </p:tav>
+                                      </p:tavLst>
+                                    </p:anim>
+                                    <p:anim calcmode="lin" valueType="num">
+                                      <p:cBhvr>
+                                        <p:cTn id="9" dur="2000" fill="hold"/>
+                                        <p:tgtEl>
+                                          <p:spTgt spid="4"/>
+                                        </p:tgtEl>
+                                        <p:attrNameLst>
+                                          <p:attrName>ppt_h</p:attrName>
+                                        </p:attrNameLst>
+                                      </p:cBhvr>
+                                      <p:tavLst>
+                                        <p:tav tm="0">
+                                          <p:val>
+                                            <p:strVal val="#ppt_h"/>
+                                          </p:val>
+                                        </p:tav>
+                                        <p:tav tm="100000">
+                                          <p:val>
+                                            <p:strVal val="#ppt_h"/>
+                                          </p:val>
+                                        </p:tav>
+                                      </p:tavLst>
+                                    </p:anim>
+                                  </p:childTnLst>
+                                </p:cTn>
+                              </p:par>
+                            </p:childTnLst>
+                          </p:cTn>
+                        </p:par>
+                      </p:childTnLst>
+                    </p:cTn>
+                  </p:par>
+                  <p:par>
+                    <p:cTn id="10" fill="hold">
+                      <p:stCondLst>
+                        <p:cond delay="indefinite"/>
+                      </p:stCondLst>
+                      <p:childTnLst>
+                        <p:par>
+                          <p:cTn id="11" fill="hold">
+                            <p:stCondLst>
+                              <p:cond delay="0"/>
+                            </p:stCondLst>
+                            <p:childTnLst>
+                              <p:par>
+                                <p:cTn id="12" presetID="42" presetClass="entr" presetSubtype="0" fill="hold" grpId="0" nodeType="clickEffect">
+                                  <p:stCondLst>
+                                    <p:cond delay="0"/>
+                                  </p:stCondLst>
+                                  <p:childTnLst>
+                                    <p:set>
+                                      <p:cBhvr>
+                                        <p:cTn id="13" dur="1" fill="hold">
+                                          <p:stCondLst>
+                                            <p:cond delay="0"/>
+                                          </p:stCondLst>
+                                        </p:cTn>
+                                        <p:tgtEl>
+                                          <p:spTgt spid="5"/>
+                                        </p:tgtEl>
+                                        <p:attrNameLst>
+                                          <p:attrName>style.visibility</p:attrName>
+                                        </p:attrNameLst>
+                                      </p:cBhvr>
+                                      <p:to>
+                                        <p:strVal val="visible"/>
+                                      </p:to>
+                                    </p:set>
+                                    <p:animEffect transition="in" filter="fade">
+                                      <p:cBhvr>
+                                        <p:cTn id="14" dur="1000"/>
+                                        <p:tgtEl>
+                                          <p:spTgt spid="5"/>
+                                        </p:tgtEl>
+                                      </p:cBhvr>
+                                    </p:animEffect>
+                                    <p:anim calcmode="lin" valueType="num">
+                                      <p:cBhvr>
+                                        <p:cTn id="15" dur="1000" fill="hold"/>
+                                        <p:tgtEl>
+                                          <p:spTgt spid="5"/>
+                                        </p:tgtEl>
+                                        <p:attrNameLst>
+                                          <p:attrName>ppt_x</p:attrName>
+                                        </p:attrNameLst>
+                                      </p:cBhvr>
+                                      <p:tavLst>
+                                        <p:tav tm="0">
+                                          <p:val>
+                                            <p:strVal val="#ppt_x"/>
+                                          </p:val>
+                                        </p:tav>
+                                        <p:tav tm="100000">
+                                          <p:val>
+                                            <p:strVal val="#ppt_x"/>
+                                          </p:val>
+                                        </p:tav>
+                                      </p:tavLst>
+                                    </p:anim>
+                                    <p:anim calcmode="lin" valueType="num">
+                                      <p:cBhvr>
+                                        <p:cTn id="16" dur="1000" fill="hold"/>
+                                        <p:tgtEl>
+                                          <p:spTgt spid="5"/>
+                                        </p:tgtEl>
+                                        <p:attrNameLst>
+                                          <p:attrName>ppt_y</p:attrName>
+                                        </p:attrNameLst>
+                                      </p:cBhvr>
+                                      <p:tavLst>
+                                        <p:tav tm="0">
+                                          <p:val>
+                                            <p:strVal val="#ppt_y+.1"/>
+                                          </p:val>
+                                        </p:tav>
+                                        <p:tav tm="100000">
+                                          <p:val>
+                                            <p:strVal val="#ppt_y"/>
+                                          </p:val>
+                                        </p:tav>
+                                      </p:tavLst>
+                                    </p:anim>
+                                  </p:childTnLst>
+                                </p:cTn>
+                              </p:par>
+                            </p:childTnLst>
+                          </p:cTn>
+                        </p:par>
+                      </p:childTnLst>
+                    </p:cTn>
+                  </p:par>
+                </p:childTnLst>
+              </p:cTn>
+              <p:prevCondLst>
+                <p:cond evt="onPrev" delay="0">
+                  <p:tgtEl>
+                    <p:sldTgt/>
+                  </p:tgtEl>
+                </p:cond>
+              </p:prevCondLst>
+              <p:nextCondLst>
+                <p:cond evt="onNext" delay="0">
+                  <p:tgtEl>
+                    <p:sldTgt/>
+                  </p:tgtEl>
+                </p:cond>
+              </p:nextCondLst>
+            </p:seq>
+          </p:childTnLst>
+        </p:cTn>
+      </p:par>
+    </p:tnLst>
+    <p:bldLst>
+      <p:bldP spid="4" grpId="0"/>
+      <p:bldP spid="5" grpId="0"/>
+    </p:bldLst>
+  </p:timing>
 </p:sld>
 </file>
 
